--- a/Ambulance/SmartAmbulance.pptx
+++ b/Ambulance/SmartAmbulance.pptx
@@ -15,9 +15,10 @@
     <p:sldId id="269" r:id="rId9"/>
     <p:sldId id="270" r:id="rId10"/>
     <p:sldId id="275" r:id="rId11"/>
-    <p:sldId id="271" r:id="rId12"/>
-    <p:sldId id="272" r:id="rId13"/>
-    <p:sldId id="263" r:id="rId14"/>
+    <p:sldId id="277" r:id="rId12"/>
+    <p:sldId id="271" r:id="rId13"/>
+    <p:sldId id="272" r:id="rId14"/>
+    <p:sldId id="263" r:id="rId15"/>
   </p:sldIdLst>
   <p:sldSz cx="12192000" cy="6858000"/>
   <p:notesSz cx="6858000" cy="9144000"/>
@@ -310,7 +311,7 @@
           <a:p>
             <a:fld id="{4AAD347D-5ACD-4C99-B74B-A9C85AD731AF}" type="datetimeFigureOut">
               <a:rPr lang="en-US" dirty="0"/>
-              <a:t>7/9/2016</a:t>
+              <a:t>7/10/2016</a:t>
             </a:fld>
             <a:endParaRPr lang="en-US" dirty="0"/>
           </a:p>
@@ -580,7 +581,7 @@
           <a:p>
             <a:fld id="{4509A250-FF31-4206-8172-F9D3106AACB1}" type="datetimeFigureOut">
               <a:rPr lang="en-US" dirty="0"/>
-              <a:t>7/9/2016</a:t>
+              <a:t>7/10/2016</a:t>
             </a:fld>
             <a:endParaRPr lang="en-US" dirty="0"/>
           </a:p>
@@ -769,7 +770,7 @@
           <a:p>
             <a:fld id="{4509A250-FF31-4206-8172-F9D3106AACB1}" type="datetimeFigureOut">
               <a:rPr lang="en-US" dirty="0"/>
-              <a:t>7/9/2016</a:t>
+              <a:t>7/10/2016</a:t>
             </a:fld>
             <a:endParaRPr lang="en-US" dirty="0"/>
           </a:p>
@@ -1037,7 +1038,7 @@
           <a:p>
             <a:fld id="{4509A250-FF31-4206-8172-F9D3106AACB1}" type="datetimeFigureOut">
               <a:rPr lang="en-US" dirty="0"/>
-              <a:t>7/9/2016</a:t>
+              <a:t>7/10/2016</a:t>
             </a:fld>
             <a:endParaRPr lang="en-US" dirty="0"/>
           </a:p>
@@ -1373,7 +1374,7 @@
           <a:p>
             <a:fld id="{4509A250-FF31-4206-8172-F9D3106AACB1}" type="datetimeFigureOut">
               <a:rPr lang="en-US" dirty="0"/>
-              <a:t>7/9/2016</a:t>
+              <a:t>7/10/2016</a:t>
             </a:fld>
             <a:endParaRPr lang="en-US" dirty="0"/>
           </a:p>
@@ -1991,7 +1992,7 @@
           <a:p>
             <a:fld id="{4509A250-FF31-4206-8172-F9D3106AACB1}" type="datetimeFigureOut">
               <a:rPr lang="en-US" dirty="0"/>
-              <a:t>7/9/2016</a:t>
+              <a:t>7/10/2016</a:t>
             </a:fld>
             <a:endParaRPr lang="en-US" dirty="0"/>
           </a:p>
@@ -2846,7 +2847,7 @@
           <a:p>
             <a:fld id="{4509A250-FF31-4206-8172-F9D3106AACB1}" type="datetimeFigureOut">
               <a:rPr lang="en-US" dirty="0"/>
-              <a:t>7/9/2016</a:t>
+              <a:t>7/10/2016</a:t>
             </a:fld>
             <a:endParaRPr lang="en-US" dirty="0"/>
           </a:p>
@@ -3011,7 +3012,7 @@
           <a:p>
             <a:fld id="{4509A250-FF31-4206-8172-F9D3106AACB1}" type="datetimeFigureOut">
               <a:rPr lang="en-US" dirty="0"/>
-              <a:t>7/9/2016</a:t>
+              <a:t>7/10/2016</a:t>
             </a:fld>
             <a:endParaRPr lang="en-US" dirty="0"/>
           </a:p>
@@ -3186,7 +3187,7 @@
           <a:p>
             <a:fld id="{4509A250-FF31-4206-8172-F9D3106AACB1}" type="datetimeFigureOut">
               <a:rPr lang="en-US" dirty="0"/>
-              <a:t>7/9/2016</a:t>
+              <a:t>7/10/2016</a:t>
             </a:fld>
             <a:endParaRPr lang="en-US" dirty="0"/>
           </a:p>
@@ -3351,7 +3352,7 @@
           <a:p>
             <a:fld id="{4509A250-FF31-4206-8172-F9D3106AACB1}" type="datetimeFigureOut">
               <a:rPr lang="en-US" dirty="0"/>
-              <a:t>7/9/2016</a:t>
+              <a:t>7/10/2016</a:t>
             </a:fld>
             <a:endParaRPr lang="en-US" dirty="0"/>
           </a:p>
@@ -3593,7 +3594,7 @@
           <a:p>
             <a:fld id="{9796027F-7875-4030-9381-8BD8C4F21935}" type="datetimeFigureOut">
               <a:rPr lang="en-US" dirty="0"/>
-              <a:t>7/9/2016</a:t>
+              <a:t>7/10/2016</a:t>
             </a:fld>
             <a:endParaRPr lang="en-US" dirty="0"/>
           </a:p>
@@ -3880,7 +3881,7 @@
           <a:p>
             <a:fld id="{9796027F-7875-4030-9381-8BD8C4F21935}" type="datetimeFigureOut">
               <a:rPr lang="en-US" dirty="0"/>
-              <a:t>7/9/2016</a:t>
+              <a:t>7/10/2016</a:t>
             </a:fld>
             <a:endParaRPr lang="en-US" dirty="0"/>
           </a:p>
@@ -4319,7 +4320,7 @@
           <a:p>
             <a:fld id="{9796027F-7875-4030-9381-8BD8C4F21935}" type="datetimeFigureOut">
               <a:rPr lang="en-US" dirty="0"/>
-              <a:t>7/9/2016</a:t>
+              <a:t>7/10/2016</a:t>
             </a:fld>
             <a:endParaRPr lang="en-US" dirty="0"/>
           </a:p>
@@ -4432,7 +4433,7 @@
           <a:p>
             <a:fld id="{4509A250-FF31-4206-8172-F9D3106AACB1}" type="datetimeFigureOut">
               <a:rPr lang="en-US" dirty="0"/>
-              <a:t>7/9/2016</a:t>
+              <a:t>7/10/2016</a:t>
             </a:fld>
             <a:endParaRPr lang="en-US" dirty="0"/>
           </a:p>
@@ -4522,7 +4523,7 @@
           <a:p>
             <a:fld id="{4509A250-FF31-4206-8172-F9D3106AACB1}" type="datetimeFigureOut">
               <a:rPr lang="en-US" dirty="0"/>
-              <a:t>7/9/2016</a:t>
+              <a:t>7/10/2016</a:t>
             </a:fld>
             <a:endParaRPr lang="en-US" dirty="0"/>
           </a:p>
@@ -4796,7 +4797,7 @@
           <a:p>
             <a:fld id="{4509A250-FF31-4206-8172-F9D3106AACB1}" type="datetimeFigureOut">
               <a:rPr lang="en-US" dirty="0"/>
-              <a:t>7/9/2016</a:t>
+              <a:t>7/10/2016</a:t>
             </a:fld>
             <a:endParaRPr lang="en-US" dirty="0"/>
           </a:p>
@@ -5066,7 +5067,7 @@
           <a:p>
             <a:fld id="{4509A250-FF31-4206-8172-F9D3106AACB1}" type="datetimeFigureOut">
               <a:rPr lang="en-US" dirty="0"/>
-              <a:t>7/9/2016</a:t>
+              <a:t>7/10/2016</a:t>
             </a:fld>
             <a:endParaRPr lang="en-US" dirty="0"/>
           </a:p>
@@ -5490,7 +5491,7 @@
           <a:p>
             <a:fld id="{4AAD347D-5ACD-4C99-B74B-A9C85AD731AF}" type="datetimeFigureOut">
               <a:rPr lang="en-US" dirty="0"/>
-              <a:t>7/9/2016</a:t>
+              <a:t>7/10/2016</a:t>
             </a:fld>
             <a:endParaRPr lang="en-US" dirty="0"/>
           </a:p>
@@ -6031,11 +6032,7 @@
           <a:p>
             <a:r>
               <a:rPr lang="en-US" dirty="0" smtClean="0"/>
-              <a:t>Smart </a:t>
-            </a:r>
-            <a:r>
-              <a:rPr lang="en-US" dirty="0" smtClean="0"/>
-              <a:t>Ambulance</a:t>
+              <a:t>Smart Ambulance</a:t>
             </a:r>
             <a:endParaRPr lang="en-US" dirty="0"/>
           </a:p>
@@ -6059,58 +6056,18 @@
         </p:spPr>
         <p:txBody>
           <a:bodyPr>
-            <a:normAutofit fontScale="70000" lnSpcReduction="20000"/>
+            <a:normAutofit/>
           </a:bodyPr>
           <a:lstStyle/>
           <a:p>
             <a:r>
-              <a:rPr lang="en-US" dirty="0"/>
+              <a:rPr lang="en-US" sz="2400" dirty="0"/>
               <a:t>Project </a:t>
             </a:r>
             <a:r>
-              <a:rPr lang="en-US" dirty="0" smtClean="0"/>
+              <a:rPr lang="en-US" sz="2400" dirty="0" smtClean="0"/>
               <a:t>– I</a:t>
             </a:r>
-          </a:p>
-          <a:p>
-            <a:r>
-              <a:rPr lang="en-US" dirty="0" smtClean="0"/>
-              <a:t>/* remove these names if the above title looks good</a:t>
-            </a:r>
-            <a:endParaRPr lang="en-US" dirty="0"/>
-          </a:p>
-          <a:p>
-            <a:r>
-              <a:rPr lang="en-US" dirty="0" smtClean="0"/>
-              <a:t>1.Automation </a:t>
-            </a:r>
-            <a:r>
-              <a:rPr lang="en-US" dirty="0"/>
-              <a:t>in Agriculture </a:t>
-            </a:r>
-          </a:p>
-          <a:p>
-            <a:r>
-              <a:rPr lang="en-US" dirty="0"/>
-              <a:t>2.sustainable agriculture automation  </a:t>
-            </a:r>
-          </a:p>
-          <a:p>
-            <a:r>
-              <a:rPr lang="en-US" dirty="0"/>
-              <a:t>3.automation in Sustainable </a:t>
-            </a:r>
-            <a:r>
-              <a:rPr lang="en-US" dirty="0" smtClean="0"/>
-              <a:t>agriculture</a:t>
-            </a:r>
-          </a:p>
-          <a:p>
-            <a:r>
-              <a:rPr lang="en-US" dirty="0" smtClean="0"/>
-              <a:t>*/</a:t>
-            </a:r>
-            <a:endParaRPr lang="en-US" dirty="0"/>
           </a:p>
           <a:p>
             <a:endParaRPr lang="en-US" dirty="0"/>
@@ -6240,7 +6197,7 @@
                   </a:schemeClr>
                 </a:solidFill>
               </a:rPr>
-              <a:t>Android Device or Window Desktop Application</a:t>
+              <a:t>Android Device or Windows Desktop Application</a:t>
             </a:r>
             <a:endParaRPr lang="en-US" sz="2200" dirty="0">
               <a:solidFill>
@@ -6325,148 +6282,872 @@
             <p:ph type="title"/>
           </p:nvPr>
         </p:nvSpPr>
-        <p:spPr/>
+        <p:spPr>
+          <a:xfrm>
+            <a:off x="530819" y="311630"/>
+            <a:ext cx="9404723" cy="1400530"/>
+          </a:xfrm>
+        </p:spPr>
         <p:txBody>
           <a:bodyPr/>
           <a:lstStyle/>
           <a:p>
             <a:r>
+              <a:rPr lang="en-US" sz="4000" dirty="0" smtClean="0"/>
+              <a:t>Possible Architecture</a:t>
+            </a:r>
+            <a:endParaRPr lang="en-US" sz="4000" dirty="0"/>
+          </a:p>
+        </p:txBody>
+      </p:sp>
+      <p:sp>
+        <p:nvSpPr>
+          <p:cNvPr id="7" name="TextBox 6"/>
+          <p:cNvSpPr txBox="1"/>
+          <p:nvPr/>
+        </p:nvSpPr>
+        <p:spPr>
+          <a:xfrm>
+            <a:off x="1204966" y="2590275"/>
+            <a:ext cx="1413891" cy="369332"/>
+          </a:xfrm>
+          <a:prstGeom prst="rect">
+            <a:avLst/>
+          </a:prstGeom>
+          <a:noFill/>
+          <a:ln>
+            <a:noFill/>
+          </a:ln>
+        </p:spPr>
+        <p:txBody>
+          <a:bodyPr wrap="square" rtlCol="0">
+            <a:spAutoFit/>
+          </a:bodyPr>
+          <a:lstStyle/>
+          <a:p>
+            <a:r>
               <a:rPr lang="en-US" dirty="0" smtClean="0"/>
-              <a:t>Conclusion</a:t>
-            </a:r>
-            <a:endParaRPr lang="en-US" dirty="0"/>
-          </a:p>
-        </p:txBody>
-      </p:sp>
-      <p:sp>
-        <p:nvSpPr>
-          <p:cNvPr id="3" name="Content Placeholder 2"/>
-          <p:cNvSpPr>
-            <a:spLocks noGrp="1"/>
-          </p:cNvSpPr>
-          <p:nvPr>
-            <p:ph idx="1"/>
-          </p:nvPr>
+              <a:t>GSM/GPRS</a:t>
+            </a:r>
+            <a:endParaRPr lang="en-US" dirty="0"/>
+          </a:p>
+        </p:txBody>
+      </p:sp>
+      <p:sp>
+        <p:nvSpPr>
+          <p:cNvPr id="8" name="TextBox 7"/>
+          <p:cNvSpPr txBox="1"/>
+          <p:nvPr/>
         </p:nvSpPr>
         <p:spPr>
           <a:xfrm>
-            <a:off x="646112" y="2052918"/>
-            <a:ext cx="9403742" cy="4195481"/>
-          </a:xfrm>
-        </p:spPr>
-        <p:txBody>
-          <a:bodyPr>
-            <a:normAutofit/>
+            <a:off x="3838216" y="2517077"/>
+            <a:ext cx="1736141" cy="369332"/>
+          </a:xfrm>
+          <a:prstGeom prst="rect">
+            <a:avLst/>
+          </a:prstGeom>
+          <a:noFill/>
+          <a:ln>
+            <a:noFill/>
+          </a:ln>
+        </p:spPr>
+        <p:txBody>
+          <a:bodyPr wrap="square" rtlCol="0">
+            <a:spAutoFit/>
           </a:bodyPr>
           <a:lstStyle/>
           <a:p>
-            <a:r>
-              <a:rPr lang="en-US" sz="2400" dirty="0" smtClean="0">
-                <a:solidFill>
-                  <a:schemeClr val="accent3">
-                    <a:lumMod val="60000"/>
-                    <a:lumOff val="40000"/>
-                  </a:schemeClr>
-                </a:solidFill>
-              </a:rPr>
-              <a:t>Conclusion really???</a:t>
-            </a:r>
-          </a:p>
-          <a:p>
-            <a:r>
-              <a:rPr lang="en-US" sz="2400" dirty="0" smtClean="0">
-                <a:solidFill>
-                  <a:schemeClr val="accent3">
-                    <a:lumMod val="60000"/>
-                    <a:lumOff val="40000"/>
-                  </a:schemeClr>
-                </a:solidFill>
-              </a:rPr>
-              <a:t>We have just started how can we conclude???</a:t>
-            </a:r>
-          </a:p>
-          <a:p>
-            <a:r>
-              <a:rPr lang="en-US" sz="2400" dirty="0" err="1" smtClean="0">
-                <a:solidFill>
-                  <a:schemeClr val="accent3">
-                    <a:lumMod val="60000"/>
-                    <a:lumOff val="40000"/>
-                  </a:schemeClr>
-                </a:solidFill>
-              </a:rPr>
-              <a:t>Chalo</a:t>
-            </a:r>
-            <a:r>
-              <a:rPr lang="en-US" sz="2400" dirty="0" smtClean="0">
-                <a:solidFill>
-                  <a:schemeClr val="accent3">
-                    <a:lumMod val="60000"/>
-                    <a:lumOff val="40000"/>
-                  </a:schemeClr>
-                </a:solidFill>
-              </a:rPr>
-              <a:t> </a:t>
-            </a:r>
-            <a:r>
-              <a:rPr lang="en-US" sz="2400" dirty="0" err="1" smtClean="0">
-                <a:solidFill>
-                  <a:schemeClr val="accent3">
-                    <a:lumMod val="60000"/>
-                    <a:lumOff val="40000"/>
-                  </a:schemeClr>
-                </a:solidFill>
-              </a:rPr>
-              <a:t>keh</a:t>
-            </a:r>
-            <a:r>
-              <a:rPr lang="en-US" sz="2400" dirty="0" smtClean="0">
-                <a:solidFill>
-                  <a:schemeClr val="accent3">
-                    <a:lumMod val="60000"/>
-                    <a:lumOff val="40000"/>
-                  </a:schemeClr>
-                </a:solidFill>
-              </a:rPr>
-              <a:t> he </a:t>
-            </a:r>
-            <a:r>
-              <a:rPr lang="en-US" sz="2400" dirty="0" err="1" smtClean="0">
-                <a:solidFill>
-                  <a:schemeClr val="accent3">
-                    <a:lumMod val="60000"/>
-                    <a:lumOff val="40000"/>
-                  </a:schemeClr>
-                </a:solidFill>
-              </a:rPr>
-              <a:t>rahe</a:t>
-            </a:r>
-            <a:r>
-              <a:rPr lang="en-US" sz="2400" dirty="0" smtClean="0">
-                <a:solidFill>
-                  <a:schemeClr val="accent3">
-                    <a:lumMod val="60000"/>
-                    <a:lumOff val="40000"/>
-                  </a:schemeClr>
-                </a:solidFill>
-              </a:rPr>
-              <a:t> ho to: “So from this presentation we can conclude that this is one of the best project. THANK YOU”</a:t>
-            </a:r>
-            <a:endParaRPr lang="en-US" sz="2400" dirty="0">
-              <a:solidFill>
-                <a:schemeClr val="accent3">
-                  <a:lumMod val="60000"/>
-                  <a:lumOff val="40000"/>
-                </a:schemeClr>
-              </a:solidFill>
-            </a:endParaRPr>
-          </a:p>
-        </p:txBody>
-      </p:sp>
+            <a:pPr algn="ctr"/>
+            <a:r>
+              <a:rPr lang="en-US" dirty="0" smtClean="0"/>
+              <a:t>GPS</a:t>
+            </a:r>
+          </a:p>
+        </p:txBody>
+      </p:sp>
+      <p:sp>
+        <p:nvSpPr>
+          <p:cNvPr id="9" name="TextBox 8"/>
+          <p:cNvSpPr txBox="1"/>
+          <p:nvPr/>
+        </p:nvSpPr>
+        <p:spPr>
+          <a:xfrm>
+            <a:off x="3762724" y="6405076"/>
+            <a:ext cx="1826874" cy="369332"/>
+          </a:xfrm>
+          <a:prstGeom prst="rect">
+            <a:avLst/>
+          </a:prstGeom>
+          <a:noFill/>
+          <a:ln>
+            <a:noFill/>
+          </a:ln>
+        </p:spPr>
+        <p:txBody>
+          <a:bodyPr wrap="square" rtlCol="0">
+            <a:spAutoFit/>
+          </a:bodyPr>
+          <a:lstStyle/>
+          <a:p>
+            <a:pPr algn="ctr"/>
+            <a:r>
+              <a:rPr lang="en-US" dirty="0" smtClean="0"/>
+              <a:t>Speed Sensor</a:t>
+            </a:r>
+            <a:endParaRPr lang="en-US" dirty="0"/>
+          </a:p>
+        </p:txBody>
+      </p:sp>
+      <p:cxnSp>
+        <p:nvCxnSpPr>
+          <p:cNvPr id="25" name="Straight Arrow Connector 24"/>
+          <p:cNvCxnSpPr/>
+          <p:nvPr/>
+        </p:nvCxnSpPr>
+        <p:spPr>
+          <a:xfrm flipV="1">
+            <a:off x="8199391" y="3736190"/>
+            <a:ext cx="1101712" cy="25389"/>
+          </a:xfrm>
+          <a:prstGeom prst="straightConnector1">
+            <a:avLst/>
+          </a:prstGeom>
+          <a:ln>
+            <a:solidFill>
+              <a:schemeClr val="bg1"/>
+            </a:solidFill>
+            <a:tailEnd type="triangle"/>
+          </a:ln>
+        </p:spPr>
+        <p:style>
+          <a:lnRef idx="1">
+            <a:schemeClr val="accent1"/>
+          </a:lnRef>
+          <a:fillRef idx="0">
+            <a:schemeClr val="accent1"/>
+          </a:fillRef>
+          <a:effectRef idx="0">
+            <a:schemeClr val="accent1"/>
+          </a:effectRef>
+          <a:fontRef idx="minor">
+            <a:schemeClr val="tx1"/>
+          </a:fontRef>
+        </p:style>
+      </p:cxnSp>
+      <p:cxnSp>
+        <p:nvCxnSpPr>
+          <p:cNvPr id="38" name="Straight Arrow Connector 37"/>
+          <p:cNvCxnSpPr/>
+          <p:nvPr/>
+        </p:nvCxnSpPr>
+        <p:spPr>
+          <a:xfrm>
+            <a:off x="5345725" y="3733266"/>
+            <a:ext cx="1150020" cy="0"/>
+          </a:xfrm>
+          <a:prstGeom prst="straightConnector1">
+            <a:avLst/>
+          </a:prstGeom>
+          <a:ln>
+            <a:solidFill>
+              <a:schemeClr val="bg1"/>
+            </a:solidFill>
+            <a:tailEnd type="triangle"/>
+          </a:ln>
+        </p:spPr>
+        <p:style>
+          <a:lnRef idx="1">
+            <a:schemeClr val="accent1"/>
+          </a:lnRef>
+          <a:fillRef idx="0">
+            <a:schemeClr val="accent1"/>
+          </a:fillRef>
+          <a:effectRef idx="0">
+            <a:schemeClr val="accent1"/>
+          </a:effectRef>
+          <a:fontRef idx="minor">
+            <a:schemeClr val="tx1"/>
+          </a:fontRef>
+        </p:style>
+      </p:cxnSp>
+      <p:cxnSp>
+        <p:nvCxnSpPr>
+          <p:cNvPr id="39" name="Straight Arrow Connector 38"/>
+          <p:cNvCxnSpPr/>
+          <p:nvPr/>
+        </p:nvCxnSpPr>
+        <p:spPr>
+          <a:xfrm flipV="1">
+            <a:off x="2575669" y="4428105"/>
+            <a:ext cx="1376089" cy="707388"/>
+          </a:xfrm>
+          <a:prstGeom prst="straightConnector1">
+            <a:avLst/>
+          </a:prstGeom>
+          <a:ln>
+            <a:solidFill>
+              <a:schemeClr val="bg1"/>
+            </a:solidFill>
+            <a:tailEnd type="triangle"/>
+          </a:ln>
+        </p:spPr>
+        <p:style>
+          <a:lnRef idx="1">
+            <a:schemeClr val="accent1"/>
+          </a:lnRef>
+          <a:fillRef idx="0">
+            <a:schemeClr val="accent1"/>
+          </a:fillRef>
+          <a:effectRef idx="0">
+            <a:schemeClr val="accent1"/>
+          </a:effectRef>
+          <a:fontRef idx="minor">
+            <a:schemeClr val="tx1"/>
+          </a:fontRef>
+        </p:style>
+      </p:cxnSp>
+      <p:pic>
+        <p:nvPicPr>
+          <p:cNvPr id="62" name="Picture 61"/>
+          <p:cNvPicPr>
+            <a:picLocks noChangeAspect="1"/>
+          </p:cNvPicPr>
+          <p:nvPr/>
+        </p:nvPicPr>
+        <p:blipFill>
+          <a:blip r:embed="rId2">
+            <a:extLst>
+              <a:ext uri="{28A0092B-C50C-407E-A947-70E740481C1C}">
+                <a14:useLocalDpi xmlns:a14="http://schemas.microsoft.com/office/drawing/2010/main" val="0"/>
+              </a:ext>
+            </a:extLst>
+          </a:blip>
+          <a:stretch>
+            <a:fillRect/>
+          </a:stretch>
+        </p:blipFill>
+        <p:spPr>
+          <a:xfrm>
+            <a:off x="3960213" y="3223394"/>
+            <a:ext cx="1385512" cy="1385512"/>
+          </a:xfrm>
+          <a:prstGeom prst="rect">
+            <a:avLst/>
+          </a:prstGeom>
+        </p:spPr>
+      </p:pic>
+      <p:sp>
+        <p:nvSpPr>
+          <p:cNvPr id="77" name="TextBox 76"/>
+          <p:cNvSpPr txBox="1"/>
+          <p:nvPr/>
+        </p:nvSpPr>
+        <p:spPr>
+          <a:xfrm>
+            <a:off x="8619417" y="4572455"/>
+            <a:ext cx="2756471" cy="646331"/>
+          </a:xfrm>
+          <a:prstGeom prst="rect">
+            <a:avLst/>
+          </a:prstGeom>
+          <a:noFill/>
+          <a:ln>
+            <a:noFill/>
+          </a:ln>
+        </p:spPr>
+        <p:txBody>
+          <a:bodyPr wrap="square" rtlCol="0">
+            <a:spAutoFit/>
+          </a:bodyPr>
+          <a:lstStyle/>
+          <a:p>
+            <a:pPr algn="ctr"/>
+            <a:r>
+              <a:rPr lang="en-US" dirty="0" smtClean="0"/>
+              <a:t>Operating </a:t>
+            </a:r>
+          </a:p>
+          <a:p>
+            <a:pPr algn="ctr"/>
+            <a:r>
+              <a:rPr lang="en-US" dirty="0" smtClean="0"/>
+              <a:t>Android Application</a:t>
+            </a:r>
+            <a:endParaRPr lang="en-US" dirty="0"/>
+          </a:p>
+        </p:txBody>
+      </p:sp>
+      <p:sp>
+        <p:nvSpPr>
+          <p:cNvPr id="78" name="TextBox 77"/>
+          <p:cNvSpPr txBox="1"/>
+          <p:nvPr/>
+        </p:nvSpPr>
+        <p:spPr>
+          <a:xfrm>
+            <a:off x="4432288" y="4608906"/>
+            <a:ext cx="1826874" cy="369332"/>
+          </a:xfrm>
+          <a:prstGeom prst="rect">
+            <a:avLst/>
+          </a:prstGeom>
+          <a:noFill/>
+          <a:ln>
+            <a:noFill/>
+          </a:ln>
+        </p:spPr>
+        <p:txBody>
+          <a:bodyPr wrap="square" rtlCol="0">
+            <a:spAutoFit/>
+          </a:bodyPr>
+          <a:lstStyle/>
+          <a:p>
+            <a:pPr algn="ctr"/>
+            <a:r>
+              <a:rPr lang="en-US" dirty="0" smtClean="0"/>
+              <a:t>Controller</a:t>
+            </a:r>
+            <a:endParaRPr lang="en-US" dirty="0"/>
+          </a:p>
+        </p:txBody>
+      </p:sp>
+      <p:sp>
+        <p:nvSpPr>
+          <p:cNvPr id="79" name="TextBox 78"/>
+          <p:cNvSpPr txBox="1"/>
+          <p:nvPr/>
+        </p:nvSpPr>
+        <p:spPr>
+          <a:xfrm>
+            <a:off x="6525852" y="4766161"/>
+            <a:ext cx="1826874" cy="369332"/>
+          </a:xfrm>
+          <a:prstGeom prst="rect">
+            <a:avLst/>
+          </a:prstGeom>
+          <a:noFill/>
+          <a:ln>
+            <a:noFill/>
+          </a:ln>
+        </p:spPr>
+        <p:txBody>
+          <a:bodyPr wrap="square" rtlCol="0">
+            <a:spAutoFit/>
+          </a:bodyPr>
+          <a:lstStyle/>
+          <a:p>
+            <a:pPr algn="ctr"/>
+            <a:r>
+              <a:rPr lang="en-US" dirty="0" smtClean="0"/>
+              <a:t>Server</a:t>
+            </a:r>
+            <a:endParaRPr lang="en-US" dirty="0"/>
+          </a:p>
+        </p:txBody>
+      </p:sp>
+      <p:pic>
+        <p:nvPicPr>
+          <p:cNvPr id="80" name="Picture 79"/>
+          <p:cNvPicPr>
+            <a:picLocks noChangeAspect="1"/>
+          </p:cNvPicPr>
+          <p:nvPr/>
+        </p:nvPicPr>
+        <p:blipFill>
+          <a:blip r:embed="rId3">
+            <a:extLst>
+              <a:ext uri="{28A0092B-C50C-407E-A947-70E740481C1C}">
+                <a14:useLocalDpi xmlns:a14="http://schemas.microsoft.com/office/drawing/2010/main" val="0"/>
+              </a:ext>
+            </a:extLst>
+          </a:blip>
+          <a:stretch>
+            <a:fillRect/>
+          </a:stretch>
+        </p:blipFill>
+        <p:spPr>
+          <a:xfrm>
+            <a:off x="9301103" y="3223394"/>
+            <a:ext cx="1393100" cy="1391360"/>
+          </a:xfrm>
+          <a:prstGeom prst="rect">
+            <a:avLst/>
+          </a:prstGeom>
+        </p:spPr>
+      </p:pic>
+      <p:cxnSp>
+        <p:nvCxnSpPr>
+          <p:cNvPr id="83" name="Straight Arrow Connector 82"/>
+          <p:cNvCxnSpPr/>
+          <p:nvPr/>
+        </p:nvCxnSpPr>
+        <p:spPr>
+          <a:xfrm>
+            <a:off x="8199391" y="4030896"/>
+            <a:ext cx="1101712" cy="5848"/>
+          </a:xfrm>
+          <a:prstGeom prst="straightConnector1">
+            <a:avLst/>
+          </a:prstGeom>
+          <a:ln>
+            <a:solidFill>
+              <a:schemeClr val="bg1"/>
+            </a:solidFill>
+            <a:headEnd type="triangle"/>
+            <a:tailEnd type="none"/>
+          </a:ln>
+        </p:spPr>
+        <p:style>
+          <a:lnRef idx="1">
+            <a:schemeClr val="accent1"/>
+          </a:lnRef>
+          <a:fillRef idx="0">
+            <a:schemeClr val="accent1"/>
+          </a:fillRef>
+          <a:effectRef idx="0">
+            <a:schemeClr val="accent1"/>
+          </a:effectRef>
+          <a:fontRef idx="minor">
+            <a:schemeClr val="tx1"/>
+          </a:fontRef>
+        </p:style>
+      </p:cxnSp>
+      <p:cxnSp>
+        <p:nvCxnSpPr>
+          <p:cNvPr id="84" name="Straight Arrow Connector 83"/>
+          <p:cNvCxnSpPr/>
+          <p:nvPr/>
+        </p:nvCxnSpPr>
+        <p:spPr>
+          <a:xfrm>
+            <a:off x="5354180" y="4030896"/>
+            <a:ext cx="1141565" cy="2924"/>
+          </a:xfrm>
+          <a:prstGeom prst="straightConnector1">
+            <a:avLst/>
+          </a:prstGeom>
+          <a:ln>
+            <a:solidFill>
+              <a:schemeClr val="bg1"/>
+            </a:solidFill>
+            <a:headEnd type="triangle"/>
+            <a:tailEnd type="none"/>
+          </a:ln>
+        </p:spPr>
+        <p:style>
+          <a:lnRef idx="1">
+            <a:schemeClr val="accent1"/>
+          </a:lnRef>
+          <a:fillRef idx="0">
+            <a:schemeClr val="accent1"/>
+          </a:fillRef>
+          <a:effectRef idx="0">
+            <a:schemeClr val="accent1"/>
+          </a:effectRef>
+          <a:fontRef idx="minor">
+            <a:schemeClr val="tx1"/>
+          </a:fontRef>
+        </p:style>
+      </p:cxnSp>
+      <p:cxnSp>
+        <p:nvCxnSpPr>
+          <p:cNvPr id="86" name="Straight Arrow Connector 85"/>
+          <p:cNvCxnSpPr/>
+          <p:nvPr/>
+        </p:nvCxnSpPr>
+        <p:spPr>
+          <a:xfrm flipH="1" flipV="1">
+            <a:off x="2575669" y="2344956"/>
+            <a:ext cx="1587850" cy="878438"/>
+          </a:xfrm>
+          <a:prstGeom prst="straightConnector1">
+            <a:avLst/>
+          </a:prstGeom>
+          <a:ln>
+            <a:headEnd type="triangle"/>
+            <a:tailEnd type="none"/>
+          </a:ln>
+        </p:spPr>
+        <p:style>
+          <a:lnRef idx="1">
+            <a:schemeClr val="dk1"/>
+          </a:lnRef>
+          <a:fillRef idx="0">
+            <a:schemeClr val="dk1"/>
+          </a:fillRef>
+          <a:effectRef idx="0">
+            <a:schemeClr val="dk1"/>
+          </a:effectRef>
+          <a:fontRef idx="minor">
+            <a:schemeClr val="tx1"/>
+          </a:fontRef>
+        </p:style>
+      </p:cxnSp>
+      <p:pic>
+        <p:nvPicPr>
+          <p:cNvPr id="3" name="Picture 2"/>
+          <p:cNvPicPr>
+            <a:picLocks noChangeAspect="1"/>
+          </p:cNvPicPr>
+          <p:nvPr/>
+        </p:nvPicPr>
+        <p:blipFill>
+          <a:blip r:embed="rId4">
+            <a:extLst>
+              <a:ext uri="{28A0092B-C50C-407E-A947-70E740481C1C}">
+                <a14:useLocalDpi xmlns:a14="http://schemas.microsoft.com/office/drawing/2010/main" val="0"/>
+              </a:ext>
+            </a:extLst>
+          </a:blip>
+          <a:stretch>
+            <a:fillRect/>
+          </a:stretch>
+        </p:blipFill>
+        <p:spPr>
+          <a:xfrm>
+            <a:off x="6711297" y="3009901"/>
+            <a:ext cx="1272542" cy="1705248"/>
+          </a:xfrm>
+          <a:prstGeom prst="rect">
+            <a:avLst/>
+          </a:prstGeom>
+        </p:spPr>
+      </p:pic>
+      <p:pic>
+        <p:nvPicPr>
+          <p:cNvPr id="11" name="Picture 10"/>
+          <p:cNvPicPr>
+            <a:picLocks noChangeAspect="1"/>
+          </p:cNvPicPr>
+          <p:nvPr/>
+        </p:nvPicPr>
+        <p:blipFill>
+          <a:blip r:embed="rId5">
+            <a:extLst>
+              <a:ext uri="{28A0092B-C50C-407E-A947-70E740481C1C}">
+                <a14:useLocalDpi xmlns:a14="http://schemas.microsoft.com/office/drawing/2010/main" val="0"/>
+              </a:ext>
+            </a:extLst>
+          </a:blip>
+          <a:stretch>
+            <a:fillRect/>
+          </a:stretch>
+        </p:blipFill>
+        <p:spPr>
+          <a:xfrm>
+            <a:off x="3773723" y="1149611"/>
+            <a:ext cx="1790089" cy="1360194"/>
+          </a:xfrm>
+          <a:prstGeom prst="rect">
+            <a:avLst/>
+          </a:prstGeom>
+        </p:spPr>
+      </p:pic>
+      <p:pic>
+        <p:nvPicPr>
+          <p:cNvPr id="13" name="Picture 12"/>
+          <p:cNvPicPr>
+            <a:picLocks noChangeAspect="1"/>
+          </p:cNvPicPr>
+          <p:nvPr/>
+        </p:nvPicPr>
+        <p:blipFill>
+          <a:blip r:embed="rId6">
+            <a:extLst>
+              <a:ext uri="{28A0092B-C50C-407E-A947-70E740481C1C}">
+                <a14:useLocalDpi xmlns:a14="http://schemas.microsoft.com/office/drawing/2010/main" val="0"/>
+              </a:ext>
+            </a:extLst>
+          </a:blip>
+          <a:stretch>
+            <a:fillRect/>
+          </a:stretch>
+        </p:blipFill>
+        <p:spPr>
+          <a:xfrm>
+            <a:off x="1210511" y="1195523"/>
+            <a:ext cx="1366599" cy="1366599"/>
+          </a:xfrm>
+          <a:prstGeom prst="rect">
+            <a:avLst/>
+          </a:prstGeom>
+        </p:spPr>
+      </p:pic>
+      <p:pic>
+        <p:nvPicPr>
+          <p:cNvPr id="14" name="Picture 13"/>
+          <p:cNvPicPr>
+            <a:picLocks noChangeAspect="1"/>
+          </p:cNvPicPr>
+          <p:nvPr/>
+        </p:nvPicPr>
+        <p:blipFill>
+          <a:blip r:embed="rId7">
+            <a:extLst>
+              <a:ext uri="{28A0092B-C50C-407E-A947-70E740481C1C}">
+                <a14:useLocalDpi xmlns:a14="http://schemas.microsoft.com/office/drawing/2010/main" val="0"/>
+              </a:ext>
+            </a:extLst>
+          </a:blip>
+          <a:stretch>
+            <a:fillRect/>
+          </a:stretch>
+        </p:blipFill>
+        <p:spPr>
+          <a:xfrm>
+            <a:off x="3718651" y="5167929"/>
+            <a:ext cx="1931831" cy="1204711"/>
+          </a:xfrm>
+          <a:prstGeom prst="rect">
+            <a:avLst/>
+          </a:prstGeom>
+        </p:spPr>
+      </p:pic>
+      <p:pic>
+        <p:nvPicPr>
+          <p:cNvPr id="18" name="Picture 17"/>
+          <p:cNvPicPr>
+            <a:picLocks noChangeAspect="1"/>
+          </p:cNvPicPr>
+          <p:nvPr/>
+        </p:nvPicPr>
+        <p:blipFill>
+          <a:blip r:embed="rId8">
+            <a:extLst>
+              <a:ext uri="{28A0092B-C50C-407E-A947-70E740481C1C}">
+                <a14:useLocalDpi xmlns:a14="http://schemas.microsoft.com/office/drawing/2010/main" val="0"/>
+              </a:ext>
+            </a:extLst>
+          </a:blip>
+          <a:stretch>
+            <a:fillRect/>
+          </a:stretch>
+        </p:blipFill>
+        <p:spPr>
+          <a:xfrm>
+            <a:off x="174937" y="3057644"/>
+            <a:ext cx="1941050" cy="1539899"/>
+          </a:xfrm>
+          <a:prstGeom prst="rect">
+            <a:avLst/>
+          </a:prstGeom>
+        </p:spPr>
+      </p:pic>
+      <p:cxnSp>
+        <p:nvCxnSpPr>
+          <p:cNvPr id="40" name="Straight Arrow Connector 39"/>
+          <p:cNvCxnSpPr/>
+          <p:nvPr/>
+        </p:nvCxnSpPr>
+        <p:spPr>
+          <a:xfrm flipH="1" flipV="1">
+            <a:off x="4288612" y="2581166"/>
+            <a:ext cx="1" cy="637281"/>
+          </a:xfrm>
+          <a:prstGeom prst="straightConnector1">
+            <a:avLst/>
+          </a:prstGeom>
+          <a:ln>
+            <a:solidFill>
+              <a:schemeClr val="bg1"/>
+            </a:solidFill>
+            <a:headEnd type="triangle"/>
+            <a:tailEnd type="none"/>
+          </a:ln>
+        </p:spPr>
+        <p:style>
+          <a:lnRef idx="1">
+            <a:schemeClr val="accent1"/>
+          </a:lnRef>
+          <a:fillRef idx="0">
+            <a:schemeClr val="accent1"/>
+          </a:fillRef>
+          <a:effectRef idx="0">
+            <a:schemeClr val="accent1"/>
+          </a:effectRef>
+          <a:fontRef idx="minor">
+            <a:schemeClr val="tx1"/>
+          </a:fontRef>
+        </p:style>
+      </p:cxnSp>
+      <p:pic>
+        <p:nvPicPr>
+          <p:cNvPr id="28" name="Picture 27"/>
+          <p:cNvPicPr>
+            <a:picLocks noChangeAspect="1"/>
+          </p:cNvPicPr>
+          <p:nvPr/>
+        </p:nvPicPr>
+        <p:blipFill>
+          <a:blip r:embed="rId9">
+            <a:extLst>
+              <a:ext uri="{28A0092B-C50C-407E-A947-70E740481C1C}">
+                <a14:useLocalDpi xmlns:a14="http://schemas.microsoft.com/office/drawing/2010/main" val="0"/>
+              </a:ext>
+            </a:extLst>
+          </a:blip>
+          <a:stretch>
+            <a:fillRect/>
+          </a:stretch>
+        </p:blipFill>
+        <p:spPr>
+          <a:xfrm>
+            <a:off x="1313645" y="5167929"/>
+            <a:ext cx="1438794" cy="1204711"/>
+          </a:xfrm>
+          <a:prstGeom prst="rect">
+            <a:avLst/>
+          </a:prstGeom>
+        </p:spPr>
+      </p:pic>
+      <p:sp>
+        <p:nvSpPr>
+          <p:cNvPr id="45" name="TextBox 44"/>
+          <p:cNvSpPr txBox="1"/>
+          <p:nvPr/>
+        </p:nvSpPr>
+        <p:spPr>
+          <a:xfrm>
+            <a:off x="170673" y="4634664"/>
+            <a:ext cx="2134645" cy="369332"/>
+          </a:xfrm>
+          <a:prstGeom prst="rect">
+            <a:avLst/>
+          </a:prstGeom>
+          <a:noFill/>
+          <a:ln>
+            <a:noFill/>
+          </a:ln>
+        </p:spPr>
+        <p:txBody>
+          <a:bodyPr wrap="square" rtlCol="0">
+            <a:spAutoFit/>
+          </a:bodyPr>
+          <a:lstStyle/>
+          <a:p>
+            <a:r>
+              <a:rPr lang="en-US" dirty="0" smtClean="0"/>
+              <a:t>Heartbeat sensor</a:t>
+            </a:r>
+            <a:endParaRPr lang="en-US" dirty="0"/>
+          </a:p>
+        </p:txBody>
+      </p:sp>
+      <p:cxnSp>
+        <p:nvCxnSpPr>
+          <p:cNvPr id="49" name="Straight Arrow Connector 48"/>
+          <p:cNvCxnSpPr/>
+          <p:nvPr/>
+        </p:nvCxnSpPr>
+        <p:spPr>
+          <a:xfrm flipH="1" flipV="1">
+            <a:off x="4222110" y="4608906"/>
+            <a:ext cx="42781" cy="559023"/>
+          </a:xfrm>
+          <a:prstGeom prst="straightConnector1">
+            <a:avLst/>
+          </a:prstGeom>
+          <a:ln>
+            <a:solidFill>
+              <a:schemeClr val="bg1"/>
+            </a:solidFill>
+            <a:tailEnd type="triangle"/>
+          </a:ln>
+        </p:spPr>
+        <p:style>
+          <a:lnRef idx="1">
+            <a:schemeClr val="accent1"/>
+          </a:lnRef>
+          <a:fillRef idx="0">
+            <a:schemeClr val="accent1"/>
+          </a:fillRef>
+          <a:effectRef idx="0">
+            <a:schemeClr val="accent1"/>
+          </a:effectRef>
+          <a:fontRef idx="minor">
+            <a:schemeClr val="tx1"/>
+          </a:fontRef>
+        </p:style>
+      </p:cxnSp>
+      <p:sp>
+        <p:nvSpPr>
+          <p:cNvPr id="52" name="TextBox 51"/>
+          <p:cNvSpPr txBox="1"/>
+          <p:nvPr/>
+        </p:nvSpPr>
+        <p:spPr>
+          <a:xfrm>
+            <a:off x="888540" y="6372640"/>
+            <a:ext cx="2384819" cy="369332"/>
+          </a:xfrm>
+          <a:prstGeom prst="rect">
+            <a:avLst/>
+          </a:prstGeom>
+          <a:noFill/>
+          <a:ln>
+            <a:noFill/>
+          </a:ln>
+        </p:spPr>
+        <p:txBody>
+          <a:bodyPr wrap="square" rtlCol="0">
+            <a:spAutoFit/>
+          </a:bodyPr>
+          <a:lstStyle/>
+          <a:p>
+            <a:r>
+              <a:rPr lang="en-US" dirty="0" smtClean="0"/>
+              <a:t>Temperature sensor</a:t>
+            </a:r>
+            <a:endParaRPr lang="en-US" dirty="0"/>
+          </a:p>
+        </p:txBody>
+      </p:sp>
+      <p:cxnSp>
+        <p:nvCxnSpPr>
+          <p:cNvPr id="53" name="Straight Arrow Connector 52"/>
+          <p:cNvCxnSpPr>
+            <a:stCxn id="62" idx="1"/>
+            <a:endCxn id="18" idx="3"/>
+          </p:cNvCxnSpPr>
+          <p:nvPr/>
+        </p:nvCxnSpPr>
+        <p:spPr>
+          <a:xfrm flipH="1" flipV="1">
+            <a:off x="2115987" y="3827594"/>
+            <a:ext cx="1844226" cy="88556"/>
+          </a:xfrm>
+          <a:prstGeom prst="straightConnector1">
+            <a:avLst/>
+          </a:prstGeom>
+          <a:ln>
+            <a:solidFill>
+              <a:schemeClr val="bg1"/>
+            </a:solidFill>
+            <a:headEnd type="triangle"/>
+            <a:tailEnd type="none"/>
+          </a:ln>
+        </p:spPr>
+        <p:style>
+          <a:lnRef idx="1">
+            <a:schemeClr val="accent1"/>
+          </a:lnRef>
+          <a:fillRef idx="0">
+            <a:schemeClr val="accent1"/>
+          </a:fillRef>
+          <a:effectRef idx="0">
+            <a:schemeClr val="accent1"/>
+          </a:effectRef>
+          <a:fontRef idx="minor">
+            <a:schemeClr val="tx1"/>
+          </a:fontRef>
+        </p:style>
+      </p:cxnSp>
     </p:spTree>
     <p:extLst>
       <p:ext uri="{BB962C8B-B14F-4D97-AF65-F5344CB8AC3E}">
-        <p14:creationId xmlns:p14="http://schemas.microsoft.com/office/powerpoint/2010/main" val="1397114156"/>
+        <p14:creationId xmlns:p14="http://schemas.microsoft.com/office/powerpoint/2010/main" val="694058131"/>
       </p:ext>
     </p:extLst>
   </p:cSld>
@@ -6517,6 +7198,151 @@
           <a:p>
             <a:r>
               <a:rPr lang="en-US" dirty="0" smtClean="0"/>
+              <a:t>Conclusion</a:t>
+            </a:r>
+            <a:endParaRPr lang="en-US" dirty="0"/>
+          </a:p>
+        </p:txBody>
+      </p:sp>
+      <p:sp>
+        <p:nvSpPr>
+          <p:cNvPr id="3" name="Content Placeholder 2"/>
+          <p:cNvSpPr>
+            <a:spLocks noGrp="1"/>
+          </p:cNvSpPr>
+          <p:nvPr>
+            <p:ph idx="1"/>
+          </p:nvPr>
+        </p:nvSpPr>
+        <p:spPr>
+          <a:xfrm>
+            <a:off x="646112" y="2052918"/>
+            <a:ext cx="9403742" cy="4195481"/>
+          </a:xfrm>
+        </p:spPr>
+        <p:txBody>
+          <a:bodyPr>
+            <a:normAutofit/>
+          </a:bodyPr>
+          <a:lstStyle/>
+          <a:p>
+            <a:r>
+              <a:rPr lang="en-US" sz="2400" dirty="0" smtClean="0">
+                <a:solidFill>
+                  <a:schemeClr val="accent3">
+                    <a:lumMod val="60000"/>
+                    <a:lumOff val="40000"/>
+                  </a:schemeClr>
+                </a:solidFill>
+              </a:rPr>
+              <a:t>Moment has to be an emergency in this case.</a:t>
+            </a:r>
+          </a:p>
+          <a:p>
+            <a:r>
+              <a:rPr lang="en-US" sz="2400" dirty="0" smtClean="0">
+                <a:solidFill>
+                  <a:schemeClr val="accent3">
+                    <a:lumMod val="60000"/>
+                    <a:lumOff val="40000"/>
+                  </a:schemeClr>
+                </a:solidFill>
+              </a:rPr>
+              <a:t>Ambulance coming home to reaching till hospital is a critical time</a:t>
+            </a:r>
+          </a:p>
+          <a:p>
+            <a:r>
+              <a:rPr lang="en-US" sz="2400" dirty="0" smtClean="0">
+                <a:solidFill>
+                  <a:schemeClr val="accent3">
+                    <a:lumMod val="60000"/>
+                    <a:lumOff val="40000"/>
+                  </a:schemeClr>
+                </a:solidFill>
+              </a:rPr>
+              <a:t>Doesn’t save persons’ lives but increases the chances of same very effectively </a:t>
+            </a:r>
+          </a:p>
+          <a:p>
+            <a:r>
+              <a:rPr lang="en-US" sz="2400" dirty="0" smtClean="0">
+                <a:solidFill>
+                  <a:schemeClr val="accent3">
+                    <a:lumMod val="60000"/>
+                    <a:lumOff val="40000"/>
+                  </a:schemeClr>
+                </a:solidFill>
+              </a:rPr>
+              <a:t>Patient’s health regarding data being sent to hospital increases the chances of patient being saved drastically</a:t>
+            </a:r>
+          </a:p>
+          <a:p>
+            <a:endParaRPr lang="en-US" sz="2400" dirty="0">
+              <a:solidFill>
+                <a:schemeClr val="accent3">
+                  <a:lumMod val="60000"/>
+                  <a:lumOff val="40000"/>
+                </a:schemeClr>
+              </a:solidFill>
+            </a:endParaRPr>
+          </a:p>
+        </p:txBody>
+      </p:sp>
+    </p:spTree>
+    <p:extLst>
+      <p:ext uri="{BB962C8B-B14F-4D97-AF65-F5344CB8AC3E}">
+        <p14:creationId xmlns:p14="http://schemas.microsoft.com/office/powerpoint/2010/main" val="1397114156"/>
+      </p:ext>
+    </p:extLst>
+  </p:cSld>
+  <p:clrMapOvr>
+    <a:masterClrMapping/>
+  </p:clrMapOvr>
+  <p:timing>
+    <p:tnLst>
+      <p:par>
+        <p:cTn id="1" dur="indefinite" restart="never" nodeType="tmRoot"/>
+      </p:par>
+    </p:tnLst>
+  </p:timing>
+</p:sld>
+</file>
+
+<file path=ppt/slides/slide13.xml><?xml version="1.0" encoding="utf-8"?>
+<p:sld xmlns:a="http://schemas.openxmlformats.org/drawingml/2006/main" xmlns:r="http://schemas.openxmlformats.org/officeDocument/2006/relationships" xmlns:p="http://schemas.openxmlformats.org/presentationml/2006/main">
+  <p:cSld>
+    <p:spTree>
+      <p:nvGrpSpPr>
+        <p:cNvPr id="1" name=""/>
+        <p:cNvGrpSpPr/>
+        <p:nvPr/>
+      </p:nvGrpSpPr>
+      <p:grpSpPr>
+        <a:xfrm>
+          <a:off x="0" y="0"/>
+          <a:ext cx="0" cy="0"/>
+          <a:chOff x="0" y="0"/>
+          <a:chExt cx="0" cy="0"/>
+        </a:xfrm>
+      </p:grpSpPr>
+      <p:sp>
+        <p:nvSpPr>
+          <p:cNvPr id="2" name="Title 1"/>
+          <p:cNvSpPr>
+            <a:spLocks noGrp="1"/>
+          </p:cNvSpPr>
+          <p:nvPr>
+            <p:ph type="title"/>
+          </p:nvPr>
+        </p:nvSpPr>
+        <p:spPr/>
+        <p:txBody>
+          <a:bodyPr/>
+          <a:lstStyle/>
+          <a:p>
+            <a:r>
+              <a:rPr lang="en-US" dirty="0" smtClean="0"/>
               <a:t>References</a:t>
             </a:r>
             <a:endParaRPr lang="en-US" dirty="0"/>
@@ -6783,7 +7609,7 @@
 </p:sld>
 </file>
 
-<file path=ppt/slides/slide13.xml><?xml version="1.0" encoding="utf-8"?>
+<file path=ppt/slides/slide14.xml><?xml version="1.0" encoding="utf-8"?>
 <p:sld xmlns:a="http://schemas.openxmlformats.org/drawingml/2006/main" xmlns:r="http://schemas.openxmlformats.org/officeDocument/2006/relationships" xmlns:p="http://schemas.openxmlformats.org/presentationml/2006/main">
   <p:cSld>
     <p:spTree>
@@ -7289,27 +8115,8 @@
                   </a:schemeClr>
                 </a:solidFill>
               </a:rPr>
-              <a:t>Android (For Operational purpose</a:t>
-            </a:r>
-            <a:r>
-              <a:rPr lang="en-US" sz="2800" dirty="0" smtClean="0">
-                <a:solidFill>
-                  <a:schemeClr val="accent3">
-                    <a:lumMod val="60000"/>
-                    <a:lumOff val="40000"/>
-                  </a:schemeClr>
-                </a:solidFill>
-              </a:rPr>
-              <a:t>)</a:t>
-            </a:r>
-            <a:endParaRPr lang="en-US" sz="2800" dirty="0" smtClean="0">
-              <a:solidFill>
-                <a:schemeClr val="accent3">
-                  <a:lumMod val="60000"/>
-                  <a:lumOff val="40000"/>
-                </a:schemeClr>
-              </a:solidFill>
-            </a:endParaRPr>
+              <a:t>Android (For Operational purpose)</a:t>
+            </a:r>
           </a:p>
         </p:txBody>
       </p:sp>
@@ -7406,14 +8213,6 @@
               </a:rPr>
               <a:t>Heuristic Analysis</a:t>
             </a:r>
-            <a:endParaRPr lang="en-US" sz="2800" dirty="0" smtClean="0">
-              <a:solidFill>
-                <a:schemeClr val="accent3">
-                  <a:lumMod val="60000"/>
-                  <a:lumOff val="40000"/>
-                </a:schemeClr>
-              </a:solidFill>
-            </a:endParaRPr>
           </a:p>
           <a:p>
             <a:r>
@@ -7485,14 +8284,6 @@
               </a:rPr>
               <a:t>Situation Update</a:t>
             </a:r>
-            <a:endParaRPr lang="en-US" sz="2800" dirty="0" smtClean="0">
-              <a:solidFill>
-                <a:schemeClr val="accent3">
-                  <a:lumMod val="60000"/>
-                  <a:lumOff val="40000"/>
-                </a:schemeClr>
-              </a:solidFill>
-            </a:endParaRPr>
           </a:p>
         </p:txBody>
       </p:sp>
@@ -7590,14 +8381,6 @@
               </a:rPr>
               <a:t>Data collected from past can help to get an overview of required shortest path.</a:t>
             </a:r>
-            <a:endParaRPr lang="en-US" sz="2400" dirty="0" smtClean="0">
-              <a:solidFill>
-                <a:schemeClr val="accent3">
-                  <a:lumMod val="60000"/>
-                  <a:lumOff val="40000"/>
-                </a:schemeClr>
-              </a:solidFill>
-            </a:endParaRPr>
           </a:p>
           <a:p>
             <a:pPr algn="just"/>
@@ -7626,14 +8409,6 @@
               </a:rPr>
               <a:t>MR or R Programming</a:t>
             </a:r>
-            <a:endParaRPr lang="en-US" sz="2200" dirty="0" smtClean="0">
-              <a:solidFill>
-                <a:schemeClr val="accent3">
-                  <a:lumMod val="60000"/>
-                  <a:lumOff val="40000"/>
-                </a:schemeClr>
-              </a:solidFill>
-            </a:endParaRPr>
           </a:p>
           <a:p>
             <a:pPr lvl="1" algn="just"/>
@@ -7684,14 +8459,6 @@
               </a:rPr>
               <a:t> or MongoDB</a:t>
             </a:r>
-            <a:endParaRPr lang="en-US" sz="2200" dirty="0" smtClean="0">
-              <a:solidFill>
-                <a:schemeClr val="accent3">
-                  <a:lumMod val="60000"/>
-                  <a:lumOff val="40000"/>
-                </a:schemeClr>
-              </a:solidFill>
-            </a:endParaRPr>
           </a:p>
         </p:txBody>
       </p:sp>
@@ -7791,7 +8558,7 @@
                   </a:schemeClr>
                 </a:solidFill>
               </a:rPr>
-              <a:t>These devices will be the source if data.</a:t>
+              <a:t>These devices will be the source of data.</a:t>
             </a:r>
           </a:p>
           <a:p>
@@ -7807,14 +8574,6 @@
               </a:rPr>
               <a:t>They will be fitted in each car of the city and will provide data(location + speed) at regular intervals.</a:t>
             </a:r>
-            <a:endParaRPr lang="en-US" sz="2400" dirty="0" smtClean="0">
-              <a:solidFill>
-                <a:schemeClr val="accent3">
-                  <a:lumMod val="60000"/>
-                  <a:lumOff val="40000"/>
-                </a:schemeClr>
-              </a:solidFill>
-            </a:endParaRPr>
           </a:p>
           <a:p>
             <a:pPr algn="just"/>
@@ -7829,14 +8588,6 @@
               </a:rPr>
               <a:t>Uses:</a:t>
             </a:r>
-            <a:endParaRPr lang="en-US" sz="2400" dirty="0" smtClean="0">
-              <a:solidFill>
-                <a:schemeClr val="accent3">
-                  <a:lumMod val="60000"/>
-                  <a:lumOff val="40000"/>
-                </a:schemeClr>
-              </a:solidFill>
-            </a:endParaRPr>
           </a:p>
           <a:p>
             <a:pPr lvl="1" algn="just"/>
@@ -7851,14 +8602,6 @@
               </a:rPr>
               <a:t>Arduino</a:t>
             </a:r>
-            <a:endParaRPr lang="en-US" sz="2200" dirty="0" smtClean="0">
-              <a:solidFill>
-                <a:schemeClr val="accent3">
-                  <a:lumMod val="60000"/>
-                  <a:lumOff val="40000"/>
-                </a:schemeClr>
-              </a:solidFill>
-            </a:endParaRPr>
           </a:p>
           <a:p>
             <a:pPr lvl="1" algn="just"/>
@@ -7871,16 +8614,8 @@
                   </a:schemeClr>
                 </a:solidFill>
               </a:rPr>
-              <a:t>GSM &amp; GPS</a:t>
-            </a:r>
-            <a:endParaRPr lang="en-US" sz="2200" dirty="0" smtClean="0">
-              <a:solidFill>
-                <a:schemeClr val="accent3">
-                  <a:lumMod val="60000"/>
-                  <a:lumOff val="40000"/>
-                </a:schemeClr>
-              </a:solidFill>
-            </a:endParaRPr>
+              <a:t>GSM/GPRS &amp; GPS</a:t>
+            </a:r>
           </a:p>
         </p:txBody>
       </p:sp>
@@ -7992,14 +8727,6 @@
               </a:rPr>
               <a:t>Real time analysis will shown how much traffic is there on a particular path.</a:t>
             </a:r>
-            <a:endParaRPr lang="en-US" sz="2400" dirty="0" smtClean="0">
-              <a:solidFill>
-                <a:schemeClr val="accent3">
-                  <a:lumMod val="60000"/>
-                  <a:lumOff val="40000"/>
-                </a:schemeClr>
-              </a:solidFill>
-            </a:endParaRPr>
           </a:p>
           <a:p>
             <a:pPr algn="just"/>
@@ -8014,14 +8741,6 @@
               </a:rPr>
               <a:t>Uses: </a:t>
             </a:r>
-            <a:endParaRPr lang="en-US" sz="2400" dirty="0" smtClean="0">
-              <a:solidFill>
-                <a:schemeClr val="accent3">
-                  <a:lumMod val="60000"/>
-                  <a:lumOff val="40000"/>
-                </a:schemeClr>
-              </a:solidFill>
-            </a:endParaRPr>
           </a:p>
           <a:p>
             <a:pPr lvl="1" algn="just"/>
@@ -8036,14 +8755,6 @@
               </a:rPr>
               <a:t>Spark</a:t>
             </a:r>
-            <a:endParaRPr lang="en-US" sz="2200" dirty="0" smtClean="0">
-              <a:solidFill>
-                <a:schemeClr val="accent3">
-                  <a:lumMod val="60000"/>
-                  <a:lumOff val="40000"/>
-                </a:schemeClr>
-              </a:solidFill>
-            </a:endParaRPr>
           </a:p>
           <a:p>
             <a:pPr lvl="1" algn="just"/>
@@ -8134,11 +8845,7 @@
           <a:p>
             <a:r>
               <a:rPr lang="en-US" dirty="0" smtClean="0"/>
-              <a:t>Android </a:t>
-            </a:r>
-            <a:r>
-              <a:rPr lang="en-US" dirty="0" smtClean="0"/>
-              <a:t>Auto</a:t>
+              <a:t>Android Auto</a:t>
             </a:r>
             <a:endParaRPr lang="en-US" dirty="0"/>
           </a:p>
@@ -8176,10 +8883,10 @@
                   </a:schemeClr>
                 </a:solidFill>
               </a:rPr>
-              <a:t>It will the interface between </a:t>
-            </a:r>
-            <a:r>
-              <a:rPr lang="en-US" sz="2400" dirty="0" smtClean="0">
+              <a:t>It </a:t>
+            </a:r>
+            <a:r>
+              <a:rPr lang="en-US" sz="2400" smtClean="0">
                 <a:solidFill>
                   <a:schemeClr val="accent3">
                     <a:lumMod val="60000"/>
@@ -8187,7 +8894,7 @@
                   </a:schemeClr>
                 </a:solidFill>
               </a:rPr>
-              <a:t>driver and </a:t>
+              <a:t>will be the </a:t>
             </a:r>
             <a:r>
               <a:rPr lang="en-US" sz="2400" dirty="0" smtClean="0">
@@ -8198,7 +8905,7 @@
                   </a:schemeClr>
                 </a:solidFill>
               </a:rPr>
-              <a:t>our system.</a:t>
+              <a:t>interface between driver and our system.</a:t>
             </a:r>
           </a:p>
           <a:p>
